--- a/malum.pptx
+++ b/malum.pptx
@@ -2,12 +2,12 @@
 <file path=ppt/presentation.xml><?xml version="1.0" encoding="utf-8"?>
 <p:presentation xmlns:a="http://schemas.openxmlformats.org/drawingml/2006/main" xmlns:r="http://schemas.openxmlformats.org/officeDocument/2006/relationships" xmlns:p="http://schemas.openxmlformats.org/presentationml/2006/main" saveSubsetFonts="1">
   <p:sldMasterIdLst>
-    <p:sldMasterId id="2147483648" r:id="rId1"/>
+    <p:sldMasterId id="2147483648" r:id="rId4"/>
   </p:sldMasterIdLst>
   <p:sldIdLst>
-    <p:sldId id="256" r:id="rId2"/>
-    <p:sldId id="257" r:id="rId3"/>
-    <p:sldId id="258" r:id="rId4"/>
+    <p:sldId id="256" r:id="rId5"/>
+    <p:sldId id="257" r:id="rId6"/>
+    <p:sldId id="258" r:id="rId7"/>
   </p:sldIdLst>
   <p:sldSz cx="12192000" cy="6858000"/>
   <p:notesSz cx="6858000" cy="9144000"/>
@@ -114,97 +114,6 @@
 </p:presentation>
 </file>
 
-<file path=ppt/revisionInfo.xml><?xml version="1.0" encoding="utf-8"?>
-<p1510:revInfo xmlns:a="http://schemas.openxmlformats.org/drawingml/2006/main" xmlns:r="http://schemas.openxmlformats.org/officeDocument/2006/relationships" xmlns:p1510="http://schemas.microsoft.com/office/powerpoint/2015/10/main">
-  <p1510:revLst>
-    <p1510:client id="{00ED6E0B-7EC5-48B1-8F1C-D288BC100CF7}" v="14" dt="2023-11-12T20:41:56.262"/>
-  </p1510:revLst>
-</p1510:revInfo>
-</file>
-
-<file path=ppt/changesInfos/changesInfo1.xml><?xml version="1.0" encoding="utf-8"?>
-<pc:chgInfo xmlns:a="http://schemas.openxmlformats.org/drawingml/2006/main" xmlns:r="http://schemas.openxmlformats.org/officeDocument/2006/relationships" xmlns:ac="http://schemas.microsoft.com/office/drawing/2013/main/command" xmlns:pc="http://schemas.microsoft.com/office/powerpoint/2013/main/command">
-  <pc:docChgLst>
-    <pc:chgData name="Carlo Cecchetti" userId="5fc40ddfe1201a36" providerId="LiveId" clId="{00ED6E0B-7EC5-48B1-8F1C-D288BC100CF7}"/>
-    <pc:docChg chg="undo custSel modSld">
-      <pc:chgData name="Carlo Cecchetti" userId="5fc40ddfe1201a36" providerId="LiveId" clId="{00ED6E0B-7EC5-48B1-8F1C-D288BC100CF7}" dt="2023-11-12T20:42:42.035" v="26" actId="478"/>
-      <pc:docMkLst>
-        <pc:docMk/>
-      </pc:docMkLst>
-      <pc:sldChg chg="modSp mod">
-        <pc:chgData name="Carlo Cecchetti" userId="5fc40ddfe1201a36" providerId="LiveId" clId="{00ED6E0B-7EC5-48B1-8F1C-D288BC100CF7}" dt="2023-11-12T20:25:20.634" v="7" actId="20577"/>
-        <pc:sldMkLst>
-          <pc:docMk/>
-          <pc:sldMk cId="762685472" sldId="256"/>
-        </pc:sldMkLst>
-        <pc:spChg chg="mod">
-          <ac:chgData name="Carlo Cecchetti" userId="5fc40ddfe1201a36" providerId="LiveId" clId="{00ED6E0B-7EC5-48B1-8F1C-D288BC100CF7}" dt="2023-11-12T20:25:20.634" v="7" actId="20577"/>
-          <ac:spMkLst>
-            <pc:docMk/>
-            <pc:sldMk cId="762685472" sldId="256"/>
-            <ac:spMk id="2" creationId="{2CE48436-ECAC-E228-F0D6-2A3DDCADB3B8}"/>
-          </ac:spMkLst>
-        </pc:spChg>
-      </pc:sldChg>
-      <pc:sldChg chg="addSp delSp modSp mod">
-        <pc:chgData name="Carlo Cecchetti" userId="5fc40ddfe1201a36" providerId="LiveId" clId="{00ED6E0B-7EC5-48B1-8F1C-D288BC100CF7}" dt="2023-11-12T20:42:42.035" v="26" actId="478"/>
-        <pc:sldMkLst>
-          <pc:docMk/>
-          <pc:sldMk cId="1630564230" sldId="257"/>
-        </pc:sldMkLst>
-        <pc:spChg chg="add del">
-          <ac:chgData name="Carlo Cecchetti" userId="5fc40ddfe1201a36" providerId="LiveId" clId="{00ED6E0B-7EC5-48B1-8F1C-D288BC100CF7}" dt="2023-11-12T20:25:01.435" v="1" actId="22"/>
-          <ac:spMkLst>
-            <pc:docMk/>
-            <pc:sldMk cId="1630564230" sldId="257"/>
-            <ac:spMk id="3" creationId="{773A898F-F7AD-C9B8-57AA-19A8ABEFCA19}"/>
-          </ac:spMkLst>
-        </pc:spChg>
-        <pc:graphicFrameChg chg="add del modGraphic">
-          <ac:chgData name="Carlo Cecchetti" userId="5fc40ddfe1201a36" providerId="LiveId" clId="{00ED6E0B-7EC5-48B1-8F1C-D288BC100CF7}" dt="2023-11-12T20:40:56.605" v="18" actId="478"/>
-          <ac:graphicFrameMkLst>
-            <pc:docMk/>
-            <pc:sldMk cId="1630564230" sldId="257"/>
-            <ac:graphicFrameMk id="4" creationId="{91E4D3DD-21E3-51F9-3BF6-4AAEF0CDE8FE}"/>
-          </ac:graphicFrameMkLst>
-        </pc:graphicFrameChg>
-        <pc:graphicFrameChg chg="add del mod">
-          <ac:chgData name="Carlo Cecchetti" userId="5fc40ddfe1201a36" providerId="LiveId" clId="{00ED6E0B-7EC5-48B1-8F1C-D288BC100CF7}" dt="2023-11-12T20:42:42.035" v="26" actId="478"/>
-          <ac:graphicFrameMkLst>
-            <pc:docMk/>
-            <pc:sldMk cId="1630564230" sldId="257"/>
-            <ac:graphicFrameMk id="6" creationId="{38530BFE-2B49-03CE-80B7-3BC3DD614726}"/>
-          </ac:graphicFrameMkLst>
-        </pc:graphicFrameChg>
-      </pc:sldChg>
-      <pc:sldChg chg="addSp modSp mod">
-        <pc:chgData name="Carlo Cecchetti" userId="5fc40ddfe1201a36" providerId="LiveId" clId="{00ED6E0B-7EC5-48B1-8F1C-D288BC100CF7}" dt="2023-11-12T20:26:00.284" v="15" actId="1076"/>
-        <pc:sldMkLst>
-          <pc:docMk/>
-          <pc:sldMk cId="3553568718" sldId="258"/>
-        </pc:sldMkLst>
-        <pc:spChg chg="mod">
-          <ac:chgData name="Carlo Cecchetti" userId="5fc40ddfe1201a36" providerId="LiveId" clId="{00ED6E0B-7EC5-48B1-8F1C-D288BC100CF7}" dt="2023-11-12T20:25:38.304" v="8" actId="1076"/>
-          <ac:spMkLst>
-            <pc:docMk/>
-            <pc:sldMk cId="3553568718" sldId="258"/>
-            <ac:spMk id="7" creationId="{9F852407-E858-AE60-3FDB-DD62164CC13C}"/>
-          </ac:spMkLst>
-        </pc:spChg>
-        <pc:picChg chg="add mod">
-          <ac:chgData name="Carlo Cecchetti" userId="5fc40ddfe1201a36" providerId="LiveId" clId="{00ED6E0B-7EC5-48B1-8F1C-D288BC100CF7}" dt="2023-11-12T20:26:00.284" v="15" actId="1076"/>
-          <ac:picMkLst>
-            <pc:docMk/>
-            <pc:sldMk cId="3553568718" sldId="258"/>
-            <ac:picMk id="4" creationId="{A9669A5A-A5C4-0ECC-AB6E-FE47A147F198}"/>
-          </ac:picMkLst>
-        </pc:picChg>
-      </pc:sldChg>
-    </pc:docChg>
-  </pc:docChgLst>
-</pc:chgInfo>
-</file>
-
 <file path=ppt/slideLayouts/slideLayout1.xml><?xml version="1.0" encoding="utf-8"?>
 <p:sldLayout xmlns:a="http://schemas.openxmlformats.org/drawingml/2006/main" xmlns:r="http://schemas.openxmlformats.org/officeDocument/2006/relationships" xmlns:p="http://schemas.openxmlformats.org/presentationml/2006/main" type="title" preserve="1">
   <p:cSld name="Title Slide">
@@ -406,7 +315,7 @@
           <a:p>
             <a:fld id="{8788BCA9-38C3-4AB0-A6C6-03D12F148DCF}" type="slidenum">
               <a:rPr lang="en-US" smtClean="0"/>
-              <a:t>‹#›</a:t>
+              <a:t>‹N›</a:t>
             </a:fld>
             <a:endParaRPr lang="en-US"/>
           </a:p>
@@ -604,7 +513,7 @@
           <a:p>
             <a:fld id="{8788BCA9-38C3-4AB0-A6C6-03D12F148DCF}" type="slidenum">
               <a:rPr lang="en-US" smtClean="0"/>
-              <a:t>‹#›</a:t>
+              <a:t>‹N›</a:t>
             </a:fld>
             <a:endParaRPr lang="en-US"/>
           </a:p>
@@ -812,7 +721,7 @@
           <a:p>
             <a:fld id="{8788BCA9-38C3-4AB0-A6C6-03D12F148DCF}" type="slidenum">
               <a:rPr lang="en-US" smtClean="0"/>
-              <a:t>‹#›</a:t>
+              <a:t>‹N›</a:t>
             </a:fld>
             <a:endParaRPr lang="en-US"/>
           </a:p>
@@ -1010,7 +919,7 @@
           <a:p>
             <a:fld id="{8788BCA9-38C3-4AB0-A6C6-03D12F148DCF}" type="slidenum">
               <a:rPr lang="en-US" smtClean="0"/>
-              <a:t>‹#›</a:t>
+              <a:t>‹N›</a:t>
             </a:fld>
             <a:endParaRPr lang="en-US"/>
           </a:p>
@@ -1285,7 +1194,7 @@
           <a:p>
             <a:fld id="{8788BCA9-38C3-4AB0-A6C6-03D12F148DCF}" type="slidenum">
               <a:rPr lang="en-US" smtClean="0"/>
-              <a:t>‹#›</a:t>
+              <a:t>‹N›</a:t>
             </a:fld>
             <a:endParaRPr lang="en-US"/>
           </a:p>
@@ -1550,7 +1459,7 @@
           <a:p>
             <a:fld id="{8788BCA9-38C3-4AB0-A6C6-03D12F148DCF}" type="slidenum">
               <a:rPr lang="en-US" smtClean="0"/>
-              <a:t>‹#›</a:t>
+              <a:t>‹N›</a:t>
             </a:fld>
             <a:endParaRPr lang="en-US"/>
           </a:p>
@@ -1962,7 +1871,7 @@
           <a:p>
             <a:fld id="{8788BCA9-38C3-4AB0-A6C6-03D12F148DCF}" type="slidenum">
               <a:rPr lang="en-US" smtClean="0"/>
-              <a:t>‹#›</a:t>
+              <a:t>‹N›</a:t>
             </a:fld>
             <a:endParaRPr lang="en-US"/>
           </a:p>
@@ -2103,7 +2012,7 @@
           <a:p>
             <a:fld id="{8788BCA9-38C3-4AB0-A6C6-03D12F148DCF}" type="slidenum">
               <a:rPr lang="en-US" smtClean="0"/>
-              <a:t>‹#›</a:t>
+              <a:t>‹N›</a:t>
             </a:fld>
             <a:endParaRPr lang="en-US"/>
           </a:p>
@@ -2216,7 +2125,7 @@
           <a:p>
             <a:fld id="{8788BCA9-38C3-4AB0-A6C6-03D12F148DCF}" type="slidenum">
               <a:rPr lang="en-US" smtClean="0"/>
-              <a:t>‹#›</a:t>
+              <a:t>‹N›</a:t>
             </a:fld>
             <a:endParaRPr lang="en-US"/>
           </a:p>
@@ -2527,7 +2436,7 @@
           <a:p>
             <a:fld id="{8788BCA9-38C3-4AB0-A6C6-03D12F148DCF}" type="slidenum">
               <a:rPr lang="en-US" smtClean="0"/>
-              <a:t>‹#›</a:t>
+              <a:t>‹N›</a:t>
             </a:fld>
             <a:endParaRPr lang="en-US"/>
           </a:p>
@@ -2815,7 +2724,7 @@
           <a:p>
             <a:fld id="{8788BCA9-38C3-4AB0-A6C6-03D12F148DCF}" type="slidenum">
               <a:rPr lang="en-US" smtClean="0"/>
-              <a:t>‹#›</a:t>
+              <a:t>‹N›</a:t>
             </a:fld>
             <a:endParaRPr lang="en-US"/>
           </a:p>
@@ -3092,7 +3001,7 @@
           <a:p>
             <a:fld id="{8788BCA9-38C3-4AB0-A6C6-03D12F148DCF}" type="slidenum">
               <a:rPr lang="en-US" smtClean="0"/>
-              <a:t>‹#›</a:t>
+              <a:t>‹N›</a:t>
             </a:fld>
             <a:endParaRPr lang="en-US"/>
           </a:p>
@@ -3514,7 +3423,7 @@
         </p:blipFill>
         <p:spPr bwMode="auto">
           <a:xfrm>
-            <a:off x="3523485" y="10"/>
+            <a:off x="4024229" y="10"/>
             <a:ext cx="8668512" cy="6857990"/>
           </a:xfrm>
           <a:prstGeom prst="rect">
@@ -3632,7 +3541,7 @@
         <p:spPr>
           <a:xfrm>
             <a:off x="481029" y="3062547"/>
-            <a:ext cx="9115556" cy="732906"/>
+            <a:ext cx="3977640" cy="732906"/>
           </a:xfrm>
         </p:spPr>
         <p:txBody>
@@ -3643,33 +3552,16 @@
           <a:p>
             <a:pPr algn="l"/>
             <a:r>
-              <a:rPr lang="it-IT" sz="2000" dirty="0">
-                <a:solidFill>
-                  <a:schemeClr val="bg1"/>
-                </a:solidFill>
-                <a:latin typeface="Aptos Black" panose="020F0502020204030204" pitchFamily="34" charset="0"/>
-              </a:rPr>
-              <a:t>MALUM:</a:t>
-            </a:r>
-            <a:br>
-              <a:rPr lang="it-IT" sz="1200" dirty="0">
-                <a:solidFill>
-                  <a:schemeClr val="bg1"/>
-                </a:solidFill>
-                <a:latin typeface="Aptos Black" panose="020F0502020204030204" pitchFamily="34" charset="0"/>
-              </a:rPr>
-            </a:br>
-            <a:r>
-              <a:rPr lang="it-IT" sz="1200" dirty="0">
+              <a:rPr lang="it-IT" sz="1600" dirty="0">
                 <a:solidFill>
                   <a:schemeClr val="bg1"/>
                 </a:solidFill>
                 <a:latin typeface="+mn-lt"/>
               </a:rPr>
-              <a:t>ESTRATTO DALLE MELE DI </a:t>
+              <a:t>ESTRATTO DA MELE DI </a:t>
             </a:r>
             <a:br>
-              <a:rPr lang="it-IT" sz="1200" dirty="0">
+              <a:rPr lang="it-IT" sz="1600" dirty="0">
                 <a:solidFill>
                   <a:schemeClr val="bg1"/>
                 </a:solidFill>
@@ -3677,15 +3569,23 @@
               </a:rPr>
             </a:br>
             <a:r>
-              <a:rPr lang="it-IT" sz="1200" dirty="0">
+              <a:rPr lang="it-IT" sz="1600" dirty="0">
                 <a:solidFill>
                   <a:schemeClr val="bg1"/>
                 </a:solidFill>
                 <a:latin typeface="+mn-lt"/>
               </a:rPr>
-              <a:t>ORIGINE GIAPPONESE SEKAI ICHI</a:t>
-            </a:r>
-            <a:endParaRPr lang="en-US" sz="1200" dirty="0">
+              <a:t>ORIGINE GIAPPONESE SEKAI ICHI </a:t>
+            </a:r>
+            <a:r>
+              <a:rPr lang="ja-JP" altLang="en-US" sz="1600" dirty="0">
+                <a:solidFill>
+                  <a:schemeClr val="bg1"/>
+                </a:solidFill>
+              </a:rPr>
+              <a:t>世界一</a:t>
+            </a:r>
+            <a:endParaRPr lang="en-US" sz="1600" dirty="0">
               <a:solidFill>
                 <a:schemeClr val="bg1"/>
               </a:solidFill>
@@ -3851,6 +3751,72 @@
               <a:latin typeface="Calibri" panose="020F0502020204030204"/>
               <a:ea typeface="+mn-ea"/>
               <a:cs typeface="+mn-cs"/>
+            </a:endParaRPr>
+          </a:p>
+        </p:txBody>
+      </p:sp>
+      <p:sp>
+        <p:nvSpPr>
+          <p:cNvPr id="3" name="Title 1">
+            <a:extLst>
+              <a:ext uri="{FF2B5EF4-FFF2-40B4-BE49-F238E27FC236}">
+                <a16:creationId xmlns:a16="http://schemas.microsoft.com/office/drawing/2014/main" id="{704ABDC7-D4FA-195F-DBCD-EDDE95F20797}"/>
+              </a:ext>
+            </a:extLst>
+          </p:cNvPr>
+          <p:cNvSpPr txBox="1">
+            <a:spLocks/>
+          </p:cNvSpPr>
+          <p:nvPr/>
+        </p:nvSpPr>
+        <p:spPr>
+          <a:xfrm>
+            <a:off x="481029" y="1701832"/>
+            <a:ext cx="9115556" cy="732906"/>
+          </a:xfrm>
+          <a:prstGeom prst="rect">
+            <a:avLst/>
+          </a:prstGeom>
+        </p:spPr>
+        <p:txBody>
+          <a:bodyPr vert="horz" lIns="91440" tIns="45720" rIns="91440" bIns="45720" rtlCol="0" anchor="b">
+            <a:noAutofit/>
+          </a:bodyPr>
+          <a:lstStyle>
+            <a:lvl1pPr algn="ctr" defTabSz="914400" rtl="0" eaLnBrk="1" latinLnBrk="0" hangingPunct="1">
+              <a:lnSpc>
+                <a:spcPct val="90000"/>
+              </a:lnSpc>
+              <a:spcBef>
+                <a:spcPct val="0"/>
+              </a:spcBef>
+              <a:buNone/>
+              <a:defRPr sz="6000" kern="1200">
+                <a:solidFill>
+                  <a:schemeClr val="tx1"/>
+                </a:solidFill>
+                <a:latin typeface="+mj-lt"/>
+                <a:ea typeface="+mj-ea"/>
+                <a:cs typeface="+mj-cs"/>
+              </a:defRPr>
+            </a:lvl1pPr>
+          </a:lstStyle>
+          <a:p>
+            <a:pPr algn="l"/>
+            <a:r>
+              <a:rPr lang="it-IT" sz="5400" dirty="0">
+                <a:solidFill>
+                  <a:schemeClr val="bg1"/>
+                </a:solidFill>
+                <a:latin typeface="Aptos Black" panose="020F0502020204030204" pitchFamily="34" charset="0"/>
+              </a:rPr>
+              <a:t>MALUM</a:t>
+            </a:r>
+            <a:endParaRPr lang="en-US" sz="3600" dirty="0">
+              <a:solidFill>
+                <a:schemeClr val="bg1"/>
+              </a:solidFill>
+              <a:latin typeface="+mn-lt"/>
             </a:endParaRPr>
           </a:p>
         </p:txBody>
@@ -3926,6 +3892,44 @@
                                   </p:childTnLst>
                                 </p:cTn>
                               </p:par>
+                              <p:par>
+                                <p:cTn id="8" presetID="10" presetClass="entr" presetSubtype="0" fill="hold" grpId="0" nodeType="withEffect">
+                                  <p:stCondLst>
+                                    <p:cond delay="1000"/>
+                                  </p:stCondLst>
+                                  <p:iterate type="lt">
+                                    <p:tmPct val="10000"/>
+                                  </p:iterate>
+                                  <p:childTnLst>
+                                    <p:set>
+                                      <p:cBhvr>
+                                        <p:cTn id="9" dur="1" fill="hold">
+                                          <p:stCondLst>
+                                            <p:cond delay="0"/>
+                                          </p:stCondLst>
+                                        </p:cTn>
+                                        <p:tgtEl>
+                                          <p:spTgt spid="3"/>
+                                        </p:tgtEl>
+                                        <p:attrNameLst>
+                                          <p:attrName>style.visibility</p:attrName>
+                                        </p:attrNameLst>
+                                      </p:cBhvr>
+                                      <p:to>
+                                        <p:strVal val="visible"/>
+                                      </p:to>
+                                    </p:set>
+                                    <p:animEffect transition="in" filter="fade">
+                                      <p:cBhvr>
+                                        <p:cTn id="10" dur="400"/>
+                                        <p:tgtEl>
+                                          <p:spTgt spid="3"/>
+                                        </p:tgtEl>
+                                      </p:cBhvr>
+                                    </p:animEffect>
+                                  </p:childTnLst>
+                                </p:cTn>
+                              </p:par>
                             </p:childTnLst>
                           </p:cTn>
                         </p:par>
@@ -3955,6 +3959,7 @@
     </p:tnLst>
     <p:bldLst>
       <p:bldP spid="2" grpId="0"/>
+      <p:bldP spid="3" grpId="0"/>
     </p:bldLst>
   </p:timing>
 </p:sld>
@@ -4213,48 +4218,6 @@
           </a:extLst>
         </p:spPr>
       </p:pic>
-      <p:sp>
-        <p:nvSpPr>
-          <p:cNvPr id="2" name="Title 1">
-            <a:extLst>
-              <a:ext uri="{FF2B5EF4-FFF2-40B4-BE49-F238E27FC236}">
-                <a16:creationId xmlns:a16="http://schemas.microsoft.com/office/drawing/2014/main" id="{FC86A0AA-D735-C8D0-DEF4-3182D2714023}"/>
-              </a:ext>
-            </a:extLst>
-          </p:cNvPr>
-          <p:cNvSpPr>
-            <a:spLocks noGrp="1"/>
-          </p:cNvSpPr>
-          <p:nvPr>
-            <p:ph type="title"/>
-          </p:nvPr>
-        </p:nvSpPr>
-        <p:spPr>
-          <a:xfrm>
-            <a:off x="643468" y="643468"/>
-            <a:ext cx="4620584" cy="719614"/>
-          </a:xfrm>
-        </p:spPr>
-        <p:txBody>
-          <a:bodyPr vert="horz" lIns="91440" tIns="45720" rIns="91440" bIns="45720" rtlCol="0" anchor="b">
-            <a:normAutofit/>
-          </a:bodyPr>
-          <a:lstStyle/>
-          <a:p>
-            <a:r>
-              <a:rPr lang="en-US" kern="1200" dirty="0">
-                <a:solidFill>
-                  <a:srgbClr val="FFFFFF"/>
-                </a:solidFill>
-                <a:latin typeface="+mj-lt"/>
-                <a:ea typeface="+mj-ea"/>
-                <a:cs typeface="+mj-cs"/>
-              </a:rPr>
-              <a:t>CONCLUSIONE</a:t>
-            </a:r>
-          </a:p>
-        </p:txBody>
-      </p:sp>
       <p:pic>
         <p:nvPicPr>
           <p:cNvPr id="5" name="Picture 4">
@@ -4762,7 +4725,7 @@
         </p:nvSpPr>
         <p:spPr>
           <a:xfrm>
-            <a:off x="-2640" y="6486210"/>
+            <a:off x="78093" y="6434795"/>
             <a:ext cx="6096946" cy="369332"/>
           </a:xfrm>
           <a:prstGeom prst="rect">
@@ -4798,42 +4761,145 @@
           </a:p>
         </p:txBody>
       </p:sp>
-      <p:pic>
-        <p:nvPicPr>
-          <p:cNvPr id="4" name="Picture 3" descr="A black background with red circle and fruit&#10;&#10;Description automatically generated">
-            <a:extLst>
-              <a:ext uri="{FF2B5EF4-FFF2-40B4-BE49-F238E27FC236}">
-                <a16:creationId xmlns:a16="http://schemas.microsoft.com/office/drawing/2014/main" id="{A9669A5A-A5C4-0ECC-AB6E-FE47A147F198}"/>
-              </a:ext>
-            </a:extLst>
-          </p:cNvPr>
-          <p:cNvPicPr>
-            <a:picLocks noChangeAspect="1"/>
-          </p:cNvPicPr>
+      <p:sp>
+        <p:nvSpPr>
+          <p:cNvPr id="4" name="TextBox 3">
+            <a:extLst>
+              <a:ext uri="{FF2B5EF4-FFF2-40B4-BE49-F238E27FC236}">
+                <a16:creationId xmlns:a16="http://schemas.microsoft.com/office/drawing/2014/main" id="{B164A801-1A65-52EC-B909-E83CD447D013}"/>
+              </a:ext>
+            </a:extLst>
+          </p:cNvPr>
+          <p:cNvSpPr txBox="1"/>
           <p:nvPr/>
-        </p:nvPicPr>
-        <p:blipFill>
-          <a:blip r:embed="rId4">
-            <a:extLst>
-              <a:ext uri="{28A0092B-C50C-407E-A947-70E740481C1C}">
-                <a14:useLocalDpi xmlns:a14="http://schemas.microsoft.com/office/drawing/2010/main" val="0"/>
-              </a:ext>
-            </a:extLst>
-          </a:blip>
-          <a:stretch>
-            <a:fillRect/>
-          </a:stretch>
-        </p:blipFill>
+        </p:nvSpPr>
         <p:spPr>
           <a:xfrm>
-            <a:off x="10931485" y="5570620"/>
-            <a:ext cx="1229522" cy="1179095"/>
+            <a:off x="1051049" y="1088014"/>
+            <a:ext cx="6096850" cy="923330"/>
           </a:xfrm>
           <a:prstGeom prst="rect">
             <a:avLst/>
           </a:prstGeom>
+          <a:noFill/>
         </p:spPr>
-      </p:pic>
+        <p:txBody>
+          <a:bodyPr wrap="square">
+            <a:spAutoFit/>
+          </a:bodyPr>
+          <a:lstStyle/>
+          <a:p>
+            <a:r>
+              <a:rPr lang="it-IT" sz="5400" dirty="0">
+                <a:solidFill>
+                  <a:schemeClr val="bg1"/>
+                </a:solidFill>
+                <a:latin typeface="Aptos Black" panose="020B0004020202020204" pitchFamily="34" charset="0"/>
+              </a:rPr>
+              <a:t>MALUM</a:t>
+            </a:r>
+            <a:endParaRPr lang="en-US" sz="3600" dirty="0">
+              <a:solidFill>
+                <a:schemeClr val="bg1"/>
+              </a:solidFill>
+              <a:latin typeface="Aptos Black" panose="020B0004020202020204" pitchFamily="34" charset="0"/>
+            </a:endParaRPr>
+          </a:p>
+        </p:txBody>
+      </p:sp>
+      <p:sp>
+        <p:nvSpPr>
+          <p:cNvPr id="8" name="TextBox 7">
+            <a:extLst>
+              <a:ext uri="{FF2B5EF4-FFF2-40B4-BE49-F238E27FC236}">
+                <a16:creationId xmlns:a16="http://schemas.microsoft.com/office/drawing/2014/main" id="{BC113A8D-60A3-4842-82CD-4F43ECE376A5}"/>
+              </a:ext>
+            </a:extLst>
+          </p:cNvPr>
+          <p:cNvSpPr txBox="1"/>
+          <p:nvPr/>
+        </p:nvSpPr>
+        <p:spPr>
+          <a:xfrm>
+            <a:off x="1114857" y="2029386"/>
+            <a:ext cx="6096850" cy="369332"/>
+          </a:xfrm>
+          <a:prstGeom prst="rect">
+            <a:avLst/>
+          </a:prstGeom>
+          <a:noFill/>
+        </p:spPr>
+        <p:txBody>
+          <a:bodyPr wrap="square">
+            <a:spAutoFit/>
+          </a:bodyPr>
+          <a:lstStyle/>
+          <a:p>
+            <a:r>
+              <a:rPr lang="en-US" dirty="0">
+                <a:solidFill>
+                  <a:schemeClr val="bg1"/>
+                </a:solidFill>
+              </a:rPr>
+              <a:t>UNA TRADIZIONE ITALO-GIAPPONESE </a:t>
+            </a:r>
+          </a:p>
+        </p:txBody>
+      </p:sp>
+      <p:sp>
+        <p:nvSpPr>
+          <p:cNvPr id="2" name="TextBox 1">
+            <a:extLst>
+              <a:ext uri="{FF2B5EF4-FFF2-40B4-BE49-F238E27FC236}">
+                <a16:creationId xmlns:a16="http://schemas.microsoft.com/office/drawing/2014/main" id="{A2146A67-C42D-1552-6380-5D936ED081D2}"/>
+              </a:ext>
+            </a:extLst>
+          </p:cNvPr>
+          <p:cNvSpPr txBox="1"/>
+          <p:nvPr/>
+        </p:nvSpPr>
+        <p:spPr>
+          <a:xfrm>
+            <a:off x="3656459" y="2416760"/>
+            <a:ext cx="1149372" cy="369332"/>
+          </a:xfrm>
+          <a:prstGeom prst="rect">
+            <a:avLst/>
+          </a:prstGeom>
+          <a:noFill/>
+        </p:spPr>
+        <p:txBody>
+          <a:bodyPr wrap="square">
+            <a:spAutoFit/>
+          </a:bodyPr>
+          <a:lstStyle/>
+          <a:p>
+            <a:pPr marL="0" algn="l" rtl="0" eaLnBrk="1" latinLnBrk="0" hangingPunct="1">
+              <a:spcBef>
+                <a:spcPts val="0"/>
+              </a:spcBef>
+              <a:spcAft>
+                <a:spcPts val="0"/>
+              </a:spcAft>
+            </a:pPr>
+            <a:r>
+              <a:rPr lang="en-US" sz="1800" kern="1200" dirty="0">
+                <a:solidFill>
+                  <a:srgbClr val="FFFFFF"/>
+                </a:solidFill>
+                <a:effectLst/>
+                <a:latin typeface="Calibri" panose="020F0502020204030204" pitchFamily="34" charset="0"/>
+                <a:ea typeface="+mn-ea"/>
+                <a:cs typeface="+mn-cs"/>
+              </a:rPr>
+              <a:t>DAL 1874</a:t>
+            </a:r>
+            <a:endParaRPr lang="en-US" dirty="0">
+              <a:effectLst/>
+            </a:endParaRPr>
+          </a:p>
+        </p:txBody>
+      </p:sp>
     </p:spTree>
     <p:extLst>
       <p:ext uri="{BB962C8B-B14F-4D97-AF65-F5344CB8AC3E}">
@@ -5140,4 +5206,312 @@
     </a:ext>
   </a:extLst>
 </a:theme>
+</file>
+
+<file path=customXml/item1.xml><?xml version="1.0" encoding="utf-8"?>
+<ct:contentTypeSchema xmlns:ct="http://schemas.microsoft.com/office/2006/metadata/contentType" xmlns:ma="http://schemas.microsoft.com/office/2006/metadata/properties/metaAttributes" ct:_="" ma:_="" ma:contentTypeName="Documento" ma:contentTypeID="0x01010089F15551F882E648A2E589849BAA7915" ma:contentTypeVersion="17" ma:contentTypeDescription="Creare un nuovo documento." ma:contentTypeScope="" ma:versionID="a6efc02ab48cbfa01d448ad2c32e8e81">
+  <xsd:schema xmlns:xsd="http://www.w3.org/2001/XMLSchema" xmlns:xs="http://www.w3.org/2001/XMLSchema" xmlns:p="http://schemas.microsoft.com/office/2006/metadata/properties" xmlns:ns3="52275950-18f5-4bc2-8a65-4eeec513f754" xmlns:ns4="f30844a5-1424-441f-9e4a-e2dc3113942f" targetNamespace="http://schemas.microsoft.com/office/2006/metadata/properties" ma:root="true" ma:fieldsID="f96894c9e822f8e66acee29f8aaf4763" ns3:_="" ns4:_="">
+    <xsd:import namespace="52275950-18f5-4bc2-8a65-4eeec513f754"/>
+    <xsd:import namespace="f30844a5-1424-441f-9e4a-e2dc3113942f"/>
+    <xsd:element name="properties">
+      <xsd:complexType>
+        <xsd:sequence>
+          <xsd:element name="documentManagement">
+            <xsd:complexType>
+              <xsd:all>
+                <xsd:element ref="ns3:MediaServiceMetadata" minOccurs="0"/>
+                <xsd:element ref="ns3:MediaServiceFastMetadata" minOccurs="0"/>
+                <xsd:element ref="ns3:MediaServiceDateTaken" minOccurs="0"/>
+                <xsd:element ref="ns3:MediaServiceAutoKeyPoints" minOccurs="0"/>
+                <xsd:element ref="ns3:MediaServiceKeyPoints" minOccurs="0"/>
+                <xsd:element ref="ns3:MediaServiceAutoTags" minOccurs="0"/>
+                <xsd:element ref="ns3:MediaServiceOCR" minOccurs="0"/>
+                <xsd:element ref="ns3:MediaServiceGenerationTime" minOccurs="0"/>
+                <xsd:element ref="ns3:MediaServiceEventHashCode" minOccurs="0"/>
+                <xsd:element ref="ns3:MediaServiceLocation" minOccurs="0"/>
+                <xsd:element ref="ns4:SharedWithUsers" minOccurs="0"/>
+                <xsd:element ref="ns4:SharedWithDetails" minOccurs="0"/>
+                <xsd:element ref="ns4:SharingHintHash" minOccurs="0"/>
+                <xsd:element ref="ns3:MediaLengthInSeconds" minOccurs="0"/>
+                <xsd:element ref="ns3:_activity" minOccurs="0"/>
+                <xsd:element ref="ns3:MediaServiceObjectDetectorVersions" minOccurs="0"/>
+                <xsd:element ref="ns3:MediaServiceSystemTags" minOccurs="0"/>
+              </xsd:all>
+            </xsd:complexType>
+          </xsd:element>
+        </xsd:sequence>
+      </xsd:complexType>
+    </xsd:element>
+  </xsd:schema>
+  <xsd:schema xmlns:xsd="http://www.w3.org/2001/XMLSchema" xmlns:xs="http://www.w3.org/2001/XMLSchema" xmlns:dms="http://schemas.microsoft.com/office/2006/documentManagement/types" xmlns:pc="http://schemas.microsoft.com/office/infopath/2007/PartnerControls" targetNamespace="52275950-18f5-4bc2-8a65-4eeec513f754" elementFormDefault="qualified">
+    <xsd:import namespace="http://schemas.microsoft.com/office/2006/documentManagement/types"/>
+    <xsd:import namespace="http://schemas.microsoft.com/office/infopath/2007/PartnerControls"/>
+    <xsd:element name="MediaServiceMetadata" ma:index="8" nillable="true" ma:displayName="MediaServiceMetadata" ma:hidden="true" ma:internalName="MediaServiceMetadata" ma:readOnly="true">
+      <xsd:simpleType>
+        <xsd:restriction base="dms:Note"/>
+      </xsd:simpleType>
+    </xsd:element>
+    <xsd:element name="MediaServiceFastMetadata" ma:index="9" nillable="true" ma:displayName="MediaServiceFastMetadata" ma:hidden="true" ma:internalName="MediaServiceFastMetadata" ma:readOnly="true">
+      <xsd:simpleType>
+        <xsd:restriction base="dms:Note"/>
+      </xsd:simpleType>
+    </xsd:element>
+    <xsd:element name="MediaServiceDateTaken" ma:index="10" nillable="true" ma:displayName="MediaServiceDateTaken" ma:hidden="true" ma:internalName="MediaServiceDateTaken" ma:readOnly="true">
+      <xsd:simpleType>
+        <xsd:restriction base="dms:Text"/>
+      </xsd:simpleType>
+    </xsd:element>
+    <xsd:element name="MediaServiceAutoKeyPoints" ma:index="11" nillable="true" ma:displayName="MediaServiceAutoKeyPoints" ma:hidden="true" ma:internalName="MediaServiceAutoKeyPoints" ma:readOnly="true">
+      <xsd:simpleType>
+        <xsd:restriction base="dms:Note"/>
+      </xsd:simpleType>
+    </xsd:element>
+    <xsd:element name="MediaServiceKeyPoints" ma:index="12" nillable="true" ma:displayName="KeyPoints" ma:internalName="MediaServiceKeyPoints" ma:readOnly="true">
+      <xsd:simpleType>
+        <xsd:restriction base="dms:Note">
+          <xsd:maxLength value="255"/>
+        </xsd:restriction>
+      </xsd:simpleType>
+    </xsd:element>
+    <xsd:element name="MediaServiceAutoTags" ma:index="13" nillable="true" ma:displayName="Tags" ma:internalName="MediaServiceAutoTags" ma:readOnly="true">
+      <xsd:simpleType>
+        <xsd:restriction base="dms:Text"/>
+      </xsd:simpleType>
+    </xsd:element>
+    <xsd:element name="MediaServiceOCR" ma:index="14" nillable="true" ma:displayName="Extracted Text" ma:internalName="MediaServiceOCR" ma:readOnly="true">
+      <xsd:simpleType>
+        <xsd:restriction base="dms:Note">
+          <xsd:maxLength value="255"/>
+        </xsd:restriction>
+      </xsd:simpleType>
+    </xsd:element>
+    <xsd:element name="MediaServiceGenerationTime" ma:index="15" nillable="true" ma:displayName="MediaServiceGenerationTime" ma:hidden="true" ma:internalName="MediaServiceGenerationTime" ma:readOnly="true">
+      <xsd:simpleType>
+        <xsd:restriction base="dms:Text"/>
+      </xsd:simpleType>
+    </xsd:element>
+    <xsd:element name="MediaServiceEventHashCode" ma:index="16" nillable="true" ma:displayName="MediaServiceEventHashCode" ma:hidden="true" ma:internalName="MediaServiceEventHashCode" ma:readOnly="true">
+      <xsd:simpleType>
+        <xsd:restriction base="dms:Text"/>
+      </xsd:simpleType>
+    </xsd:element>
+    <xsd:element name="MediaServiceLocation" ma:index="17" nillable="true" ma:displayName="Location" ma:internalName="MediaServiceLocation" ma:readOnly="true">
+      <xsd:simpleType>
+        <xsd:restriction base="dms:Text"/>
+      </xsd:simpleType>
+    </xsd:element>
+    <xsd:element name="MediaLengthInSeconds" ma:index="21" nillable="true" ma:displayName="Length (seconds)" ma:internalName="MediaLengthInSeconds" ma:readOnly="true">
+      <xsd:simpleType>
+        <xsd:restriction base="dms:Unknown"/>
+      </xsd:simpleType>
+    </xsd:element>
+    <xsd:element name="_activity" ma:index="22" nillable="true" ma:displayName="_activity" ma:hidden="true" ma:internalName="_activity">
+      <xsd:simpleType>
+        <xsd:restriction base="dms:Note"/>
+      </xsd:simpleType>
+    </xsd:element>
+    <xsd:element name="MediaServiceObjectDetectorVersions" ma:index="23" nillable="true" ma:displayName="MediaServiceObjectDetectorVersions" ma:hidden="true" ma:indexed="true" ma:internalName="MediaServiceObjectDetectorVersions" ma:readOnly="true">
+      <xsd:simpleType>
+        <xsd:restriction base="dms:Text"/>
+      </xsd:simpleType>
+    </xsd:element>
+    <xsd:element name="MediaServiceSystemTags" ma:index="24" nillable="true" ma:displayName="MediaServiceSystemTags" ma:hidden="true" ma:internalName="MediaServiceSystemTags" ma:readOnly="true">
+      <xsd:simpleType>
+        <xsd:restriction base="dms:Note"/>
+      </xsd:simpleType>
+    </xsd:element>
+  </xsd:schema>
+  <xsd:schema xmlns:xsd="http://www.w3.org/2001/XMLSchema" xmlns:xs="http://www.w3.org/2001/XMLSchema" xmlns:dms="http://schemas.microsoft.com/office/2006/documentManagement/types" xmlns:pc="http://schemas.microsoft.com/office/infopath/2007/PartnerControls" targetNamespace="f30844a5-1424-441f-9e4a-e2dc3113942f" elementFormDefault="qualified">
+    <xsd:import namespace="http://schemas.microsoft.com/office/2006/documentManagement/types"/>
+    <xsd:import namespace="http://schemas.microsoft.com/office/infopath/2007/PartnerControls"/>
+    <xsd:element name="SharedWithUsers" ma:index="18" nillable="true" ma:displayName="Condiviso con" ma:internalName="SharedWithUsers" ma:readOnly="true">
+      <xsd:complexType>
+        <xsd:complexContent>
+          <xsd:extension base="dms:UserMulti">
+            <xsd:sequence>
+              <xsd:element name="UserInfo" minOccurs="0" maxOccurs="unbounded">
+                <xsd:complexType>
+                  <xsd:sequence>
+                    <xsd:element name="DisplayName" type="xsd:string" minOccurs="0"/>
+                    <xsd:element name="AccountId" type="dms:UserId" minOccurs="0" nillable="true"/>
+                    <xsd:element name="AccountType" type="xsd:string" minOccurs="0"/>
+                  </xsd:sequence>
+                </xsd:complexType>
+              </xsd:element>
+            </xsd:sequence>
+          </xsd:extension>
+        </xsd:complexContent>
+      </xsd:complexType>
+    </xsd:element>
+    <xsd:element name="SharedWithDetails" ma:index="19" nillable="true" ma:displayName="Condiviso con dettagli" ma:internalName="SharedWithDetails" ma:readOnly="true">
+      <xsd:simpleType>
+        <xsd:restriction base="dms:Note">
+          <xsd:maxLength value="255"/>
+        </xsd:restriction>
+      </xsd:simpleType>
+    </xsd:element>
+    <xsd:element name="SharingHintHash" ma:index="20" nillable="true" ma:displayName="Hash suggerimento condivisione" ma:hidden="true" ma:internalName="SharingHintHash" ma:readOnly="true">
+      <xsd:simpleType>
+        <xsd:restriction base="dms:Text"/>
+      </xsd:simpleType>
+    </xsd:element>
+  </xsd:schema>
+  <xsd:schema xmlns="http://schemas.openxmlformats.org/package/2006/metadata/core-properties" xmlns:xsd="http://www.w3.org/2001/XMLSchema" xmlns:xsi="http://www.w3.org/2001/XMLSchema-instance" xmlns:dc="http://purl.org/dc/elements/1.1/" xmlns:dcterms="http://purl.org/dc/terms/" xmlns:odoc="http://schemas.microsoft.com/internal/obd" targetNamespace="http://schemas.openxmlformats.org/package/2006/metadata/core-properties" elementFormDefault="qualified" attributeFormDefault="unqualified" blockDefault="#all">
+    <xsd:import namespace="http://purl.org/dc/elements/1.1/" schemaLocation="http://dublincore.org/schemas/xmls/qdc/2003/04/02/dc.xsd"/>
+    <xsd:import namespace="http://purl.org/dc/terms/" schemaLocation="http://dublincore.org/schemas/xmls/qdc/2003/04/02/dcterms.xsd"/>
+    <xsd:element name="coreProperties" type="CT_coreProperties"/>
+    <xsd:complexType name="CT_coreProperties">
+      <xsd:all>
+        <xsd:element ref="dc:creator" minOccurs="0" maxOccurs="1"/>
+        <xsd:element ref="dcterms:created" minOccurs="0" maxOccurs="1"/>
+        <xsd:element ref="dc:identifier" minOccurs="0" maxOccurs="1"/>
+        <xsd:element name="contentType" minOccurs="0" maxOccurs="1" type="xsd:string" ma:index="0" ma:displayName="Tipo di contenuto"/>
+        <xsd:element ref="dc:title" minOccurs="0" maxOccurs="1" ma:index="4" ma:displayName="Titolo"/>
+        <xsd:element ref="dc:subject" minOccurs="0" maxOccurs="1"/>
+        <xsd:element ref="dc:description" minOccurs="0" maxOccurs="1"/>
+        <xsd:element name="keywords" minOccurs="0" maxOccurs="1" type="xsd:string"/>
+        <xsd:element ref="dc:language" minOccurs="0" maxOccurs="1"/>
+        <xsd:element name="category" minOccurs="0" maxOccurs="1" type="xsd:string"/>
+        <xsd:element name="version" minOccurs="0" maxOccurs="1" type="xsd:string"/>
+        <xsd:element name="revision" minOccurs="0" maxOccurs="1" type="xsd:string">
+          <xsd:annotation>
+            <xsd:documentation>
+                        This value indicates the number of saves or revisions. The application is responsible for updating this value after each revision.
+                    </xsd:documentation>
+          </xsd:annotation>
+        </xsd:element>
+        <xsd:element name="lastModifiedBy" minOccurs="0" maxOccurs="1" type="xsd:string"/>
+        <xsd:element ref="dcterms:modified" minOccurs="0" maxOccurs="1"/>
+        <xsd:element name="contentStatus" minOccurs="0" maxOccurs="1" type="xsd:string"/>
+      </xsd:all>
+    </xsd:complexType>
+  </xsd:schema>
+  <xs:schema xmlns:pc="http://schemas.microsoft.com/office/infopath/2007/PartnerControls" xmlns:xs="http://www.w3.org/2001/XMLSchema" targetNamespace="http://schemas.microsoft.com/office/infopath/2007/PartnerControls" elementFormDefault="qualified" attributeFormDefault="unqualified">
+    <xs:element name="Person">
+      <xs:complexType>
+        <xs:sequence>
+          <xs:element ref="pc:DisplayName" minOccurs="0"/>
+          <xs:element ref="pc:AccountId" minOccurs="0"/>
+          <xs:element ref="pc:AccountType" minOccurs="0"/>
+        </xs:sequence>
+      </xs:complexType>
+    </xs:element>
+    <xs:element name="DisplayName" type="xs:string"/>
+    <xs:element name="AccountId" type="xs:string"/>
+    <xs:element name="AccountType" type="xs:string"/>
+    <xs:element name="BDCAssociatedEntity">
+      <xs:complexType>
+        <xs:sequence>
+          <xs:element ref="pc:BDCEntity" minOccurs="0" maxOccurs="unbounded"/>
+        </xs:sequence>
+        <xs:attribute ref="pc:EntityNamespace"/>
+        <xs:attribute ref="pc:EntityName"/>
+        <xs:attribute ref="pc:SystemInstanceName"/>
+        <xs:attribute ref="pc:AssociationName"/>
+      </xs:complexType>
+    </xs:element>
+    <xs:attribute name="EntityNamespace" type="xs:string"/>
+    <xs:attribute name="EntityName" type="xs:string"/>
+    <xs:attribute name="SystemInstanceName" type="xs:string"/>
+    <xs:attribute name="AssociationName" type="xs:string"/>
+    <xs:element name="BDCEntity">
+      <xs:complexType>
+        <xs:sequence>
+          <xs:element ref="pc:EntityDisplayName" minOccurs="0"/>
+          <xs:element ref="pc:EntityInstanceReference" minOccurs="0"/>
+          <xs:element ref="pc:EntityId1" minOccurs="0"/>
+          <xs:element ref="pc:EntityId2" minOccurs="0"/>
+          <xs:element ref="pc:EntityId3" minOccurs="0"/>
+          <xs:element ref="pc:EntityId4" minOccurs="0"/>
+          <xs:element ref="pc:EntityId5" minOccurs="0"/>
+        </xs:sequence>
+      </xs:complexType>
+    </xs:element>
+    <xs:element name="EntityDisplayName" type="xs:string"/>
+    <xs:element name="EntityInstanceReference" type="xs:string"/>
+    <xs:element name="EntityId1" type="xs:string"/>
+    <xs:element name="EntityId2" type="xs:string"/>
+    <xs:element name="EntityId3" type="xs:string"/>
+    <xs:element name="EntityId4" type="xs:string"/>
+    <xs:element name="EntityId5" type="xs:string"/>
+    <xs:element name="Terms">
+      <xs:complexType>
+        <xs:sequence>
+          <xs:element ref="pc:TermInfo" minOccurs="0" maxOccurs="unbounded"/>
+        </xs:sequence>
+      </xs:complexType>
+    </xs:element>
+    <xs:element name="TermInfo">
+      <xs:complexType>
+        <xs:sequence>
+          <xs:element ref="pc:TermName" minOccurs="0"/>
+          <xs:element ref="pc:TermId" minOccurs="0"/>
+        </xs:sequence>
+      </xs:complexType>
+    </xs:element>
+    <xs:element name="TermName" type="xs:string"/>
+    <xs:element name="TermId" type="xs:string"/>
+  </xs:schema>
+</ct:contentTypeSchema>
+</file>
+
+<file path=customXml/item2.xml><?xml version="1.0" encoding="utf-8"?>
+<p:properties xmlns:p="http://schemas.microsoft.com/office/2006/metadata/properties" xmlns:xsi="http://www.w3.org/2001/XMLSchema-instance" xmlns:pc="http://schemas.microsoft.com/office/infopath/2007/PartnerControls">
+  <documentManagement>
+    <_activity xmlns="52275950-18f5-4bc2-8a65-4eeec513f754" xsi:nil="true"/>
+  </documentManagement>
+</p:properties>
+</file>
+
+<file path=customXml/item3.xml><?xml version="1.0" encoding="utf-8"?>
+<?mso-contentType ?>
+<FormTemplates xmlns="http://schemas.microsoft.com/sharepoint/v3/contenttype/forms">
+  <Display>DocumentLibraryForm</Display>
+  <Edit>DocumentLibraryForm</Edit>
+  <New>DocumentLibraryForm</New>
+</FormTemplates>
+</file>
+
+<file path=customXml/itemProps1.xml><?xml version="1.0" encoding="utf-8"?>
+<ds:datastoreItem xmlns:ds="http://schemas.openxmlformats.org/officeDocument/2006/customXml" ds:itemID="{120D98EB-4C99-4EC5-BE03-CAF8A675B7FC}">
+  <ds:schemaRefs>
+    <ds:schemaRef ds:uri="http://schemas.microsoft.com/office/2006/metadata/contentType"/>
+    <ds:schemaRef ds:uri="http://schemas.microsoft.com/office/2006/metadata/properties/metaAttributes"/>
+    <ds:schemaRef ds:uri="http://www.w3.org/2001/XMLSchema"/>
+    <ds:schemaRef ds:uri="http://schemas.microsoft.com/office/2006/metadata/properties"/>
+    <ds:schemaRef ds:uri="52275950-18f5-4bc2-8a65-4eeec513f754"/>
+    <ds:schemaRef ds:uri="f30844a5-1424-441f-9e4a-e2dc3113942f"/>
+    <ds:schemaRef ds:uri="http://schemas.microsoft.com/office/2006/documentManagement/types"/>
+    <ds:schemaRef ds:uri="http://schemas.microsoft.com/office/infopath/2007/PartnerControls"/>
+    <ds:schemaRef ds:uri="http://schemas.openxmlformats.org/package/2006/metadata/core-properties"/>
+    <ds:schemaRef ds:uri="http://purl.org/dc/elements/1.1/"/>
+    <ds:schemaRef ds:uri="http://purl.org/dc/terms/"/>
+    <ds:schemaRef ds:uri="http://schemas.microsoft.com/internal/obd"/>
+  </ds:schemaRefs>
+</ds:datastoreItem>
+</file>
+
+<file path=customXml/itemProps2.xml><?xml version="1.0" encoding="utf-8"?>
+<ds:datastoreItem xmlns:ds="http://schemas.openxmlformats.org/officeDocument/2006/customXml" ds:itemID="{0EC41BE8-1185-473C-AC20-78A6E3817112}">
+  <ds:schemaRefs>
+    <ds:schemaRef ds:uri="http://purl.org/dc/elements/1.1/"/>
+    <ds:schemaRef ds:uri="52275950-18f5-4bc2-8a65-4eeec513f754"/>
+    <ds:schemaRef ds:uri="http://schemas.microsoft.com/office/2006/metadata/properties"/>
+    <ds:schemaRef ds:uri="http://schemas.microsoft.com/office/infopath/2007/PartnerControls"/>
+    <ds:schemaRef ds:uri="f30844a5-1424-441f-9e4a-e2dc3113942f"/>
+    <ds:schemaRef ds:uri="http://purl.org/dc/dcmitype/"/>
+    <ds:schemaRef ds:uri="http://schemas.openxmlformats.org/package/2006/metadata/core-properties"/>
+    <ds:schemaRef ds:uri="http://schemas.microsoft.com/office/2006/documentManagement/types"/>
+    <ds:schemaRef ds:uri="http://www.w3.org/XML/1998/namespace"/>
+    <ds:schemaRef ds:uri="http://purl.org/dc/terms/"/>
+  </ds:schemaRefs>
+</ds:datastoreItem>
+</file>
+
+<file path=customXml/itemProps3.xml><?xml version="1.0" encoding="utf-8"?>
+<ds:datastoreItem xmlns:ds="http://schemas.openxmlformats.org/officeDocument/2006/customXml" ds:itemID="{20EA3C6B-8EC2-4037-92D9-8E482EA6FEB5}">
+  <ds:schemaRefs>
+    <ds:schemaRef ds:uri="http://schemas.microsoft.com/sharepoint/v3/contenttype/forms"/>
+  </ds:schemaRefs>
+</ds:datastoreItem>
 </file>